--- a/Lecture/wk7.pptx
+++ b/Lecture/wk7.pptx
@@ -285,7 +285,7 @@
           <a:p>
             <a:fld id="{84BB3998-985A-4D94-B13E-1B64131194E0}" type="datetimeFigureOut">
               <a:rPr lang="en-US" smtClean="0"/>
-              <a:t>2/19/2020</a:t>
+              <a:t>3/14/21</a:t>
             </a:fld>
             <a:endParaRPr lang="en-US"/>
           </a:p>
@@ -483,7 +483,7 @@
           <a:p>
             <a:fld id="{84BB3998-985A-4D94-B13E-1B64131194E0}" type="datetimeFigureOut">
               <a:rPr lang="en-US" smtClean="0"/>
-              <a:t>2/19/2020</a:t>
+              <a:t>3/14/21</a:t>
             </a:fld>
             <a:endParaRPr lang="en-US"/>
           </a:p>
@@ -691,7 +691,7 @@
           <a:p>
             <a:fld id="{84BB3998-985A-4D94-B13E-1B64131194E0}" type="datetimeFigureOut">
               <a:rPr lang="en-US" smtClean="0"/>
-              <a:t>2/19/2020</a:t>
+              <a:t>3/14/21</a:t>
             </a:fld>
             <a:endParaRPr lang="en-US"/>
           </a:p>
@@ -889,7 +889,7 @@
           <a:p>
             <a:fld id="{84BB3998-985A-4D94-B13E-1B64131194E0}" type="datetimeFigureOut">
               <a:rPr lang="en-US" smtClean="0"/>
-              <a:t>2/19/2020</a:t>
+              <a:t>3/14/21</a:t>
             </a:fld>
             <a:endParaRPr lang="en-US"/>
           </a:p>
@@ -1164,7 +1164,7 @@
           <a:p>
             <a:fld id="{84BB3998-985A-4D94-B13E-1B64131194E0}" type="datetimeFigureOut">
               <a:rPr lang="en-US" smtClean="0"/>
-              <a:t>2/19/2020</a:t>
+              <a:t>3/14/21</a:t>
             </a:fld>
             <a:endParaRPr lang="en-US"/>
           </a:p>
@@ -1429,7 +1429,7 @@
           <a:p>
             <a:fld id="{84BB3998-985A-4D94-B13E-1B64131194E0}" type="datetimeFigureOut">
               <a:rPr lang="en-US" smtClean="0"/>
-              <a:t>2/19/2020</a:t>
+              <a:t>3/14/21</a:t>
             </a:fld>
             <a:endParaRPr lang="en-US"/>
           </a:p>
@@ -1841,7 +1841,7 @@
           <a:p>
             <a:fld id="{84BB3998-985A-4D94-B13E-1B64131194E0}" type="datetimeFigureOut">
               <a:rPr lang="en-US" smtClean="0"/>
-              <a:t>2/19/2020</a:t>
+              <a:t>3/14/21</a:t>
             </a:fld>
             <a:endParaRPr lang="en-US"/>
           </a:p>
@@ -1982,7 +1982,7 @@
           <a:p>
             <a:fld id="{84BB3998-985A-4D94-B13E-1B64131194E0}" type="datetimeFigureOut">
               <a:rPr lang="en-US" smtClean="0"/>
-              <a:t>2/19/2020</a:t>
+              <a:t>3/14/21</a:t>
             </a:fld>
             <a:endParaRPr lang="en-US"/>
           </a:p>
@@ -2095,7 +2095,7 @@
           <a:p>
             <a:fld id="{84BB3998-985A-4D94-B13E-1B64131194E0}" type="datetimeFigureOut">
               <a:rPr lang="en-US" smtClean="0"/>
-              <a:t>2/19/2020</a:t>
+              <a:t>3/14/21</a:t>
             </a:fld>
             <a:endParaRPr lang="en-US"/>
           </a:p>
@@ -2406,7 +2406,7 @@
           <a:p>
             <a:fld id="{84BB3998-985A-4D94-B13E-1B64131194E0}" type="datetimeFigureOut">
               <a:rPr lang="en-US" smtClean="0"/>
-              <a:t>2/19/2020</a:t>
+              <a:t>3/14/21</a:t>
             </a:fld>
             <a:endParaRPr lang="en-US"/>
           </a:p>
@@ -2694,7 +2694,7 @@
           <a:p>
             <a:fld id="{84BB3998-985A-4D94-B13E-1B64131194E0}" type="datetimeFigureOut">
               <a:rPr lang="en-US" smtClean="0"/>
-              <a:t>2/19/2020</a:t>
+              <a:t>3/14/21</a:t>
             </a:fld>
             <a:endParaRPr lang="en-US"/>
           </a:p>
@@ -2935,7 +2935,7 @@
           <a:p>
             <a:fld id="{84BB3998-985A-4D94-B13E-1B64131194E0}" type="datetimeFigureOut">
               <a:rPr lang="en-US" smtClean="0"/>
-              <a:t>2/19/2020</a:t>
+              <a:t>3/14/21</a:t>
             </a:fld>
             <a:endParaRPr lang="en-US"/>
           </a:p>
@@ -3559,7 +3559,11 @@
           </a:p>
           <a:p>
             <a:r>
-              <a:rPr lang="en-US" dirty="0"/>
+              <a:rPr lang="en-US" dirty="0">
+                <a:highlight>
+                  <a:srgbClr val="FFFF00"/>
+                </a:highlight>
+              </a:rPr>
               <a:t>Blocking all traffic from open recursive servers =&gt; interferes with legitimate communication attempts</a:t>
             </a:r>
           </a:p>
@@ -3617,7 +3621,11 @@
           <a:lstStyle/>
           <a:p>
             <a:r>
-              <a:rPr lang="en-US" dirty="0"/>
+              <a:rPr lang="en-US" dirty="0">
+                <a:highlight>
+                  <a:srgbClr val="FFFF00"/>
+                </a:highlight>
+              </a:rPr>
               <a:t>Directory Traversal</a:t>
             </a:r>
           </a:p>
@@ -3655,14 +3663,30 @@
             <a:pPr lvl="1"/>
             <a:r>
               <a:rPr lang="en-US" dirty="0"/>
-              <a:t>Also known as path traversal, dot-dot-dash, directory climbing, backtracking</a:t>
-            </a:r>
-          </a:p>
-          <a:p>
-            <a:pPr lvl="1"/>
-            <a:r>
-              <a:rPr lang="en-US" dirty="0"/>
-              <a:t>Allows attackers to access file and directories stored outside web root</a:t>
+              <a:t>Also known as </a:t>
+            </a:r>
+            <a:r>
+              <a:rPr lang="en-US" dirty="0">
+                <a:highlight>
+                  <a:srgbClr val="FFFF00"/>
+                </a:highlight>
+              </a:rPr>
+              <a:t>path traversal, dot-dot-dash, directory climbing, backtracking</a:t>
+            </a:r>
+          </a:p>
+          <a:p>
+            <a:pPr lvl="1"/>
+            <a:r>
+              <a:rPr lang="en-US" dirty="0"/>
+              <a:t>Allows attackers to </a:t>
+            </a:r>
+            <a:r>
+              <a:rPr lang="en-US" dirty="0">
+                <a:highlight>
+                  <a:srgbClr val="FFFF00"/>
+                </a:highlight>
+              </a:rPr>
+              <a:t>access file and directories stored outside web root</a:t>
             </a:r>
           </a:p>
           <a:p>
@@ -3681,7 +3705,11 @@
           <a:p>
             <a:pPr lvl="2"/>
             <a:r>
-              <a:rPr lang="en-US" dirty="0"/>
+              <a:rPr lang="en-US" dirty="0">
+                <a:highlight>
+                  <a:srgbClr val="FFFF00"/>
+                </a:highlight>
+              </a:rPr>
               <a:t>Use relative path strings</a:t>
             </a:r>
           </a:p>
@@ -3710,7 +3738,15 @@
             <a:pPr lvl="1"/>
             <a:r>
               <a:rPr lang="en-US" dirty="0"/>
-              <a:t>Can use Unicode chars </a:t>
+              <a:t>Can use </a:t>
+            </a:r>
+            <a:r>
+              <a:rPr lang="en-US" dirty="0">
+                <a:highlight>
+                  <a:srgbClr val="FFFF00"/>
+                </a:highlight>
+              </a:rPr>
+              <a:t>Unicode chars </a:t>
             </a:r>
           </a:p>
           <a:p>
@@ -3934,7 +3970,11 @@
           <a:lstStyle/>
           <a:p>
             <a:r>
-              <a:rPr lang="en-US" dirty="0"/>
+              <a:rPr lang="en-US" dirty="0">
+                <a:highlight>
+                  <a:srgbClr val="FFFF00"/>
+                </a:highlight>
+              </a:rPr>
               <a:t>Website Defacement</a:t>
             </a:r>
           </a:p>
@@ -3977,7 +4017,19 @@
             <a:pPr lvl="1"/>
             <a:r>
               <a:rPr lang="en-US" dirty="0"/>
-              <a:t>Attacker alters appearance of website =&gt; provide message attacker desires</a:t>
+              <a:t>Attacker </a:t>
+            </a:r>
+            <a:r>
+              <a:rPr lang="en-US" dirty="0">
+                <a:highlight>
+                  <a:srgbClr val="FFFF00"/>
+                </a:highlight>
+              </a:rPr>
+              <a:t>alters appearance of website</a:t>
+            </a:r>
+            <a:r>
+              <a:rPr lang="en-US" dirty="0"/>
+              <a:t> =&gt; provide message attacker desires</a:t>
             </a:r>
           </a:p>
           <a:p>
@@ -3996,14 +4048,22 @@
           <a:p>
             <a:pPr lvl="2"/>
             <a:r>
-              <a:rPr lang="en-US" dirty="0"/>
+              <a:rPr lang="en-US" dirty="0">
+                <a:highlight>
+                  <a:srgbClr val="FFFF00"/>
+                </a:highlight>
+              </a:rPr>
               <a:t>Password guessing</a:t>
             </a:r>
           </a:p>
           <a:p>
             <a:pPr lvl="2"/>
             <a:r>
-              <a:rPr lang="en-US" dirty="0"/>
+              <a:rPr lang="en-US" dirty="0">
+                <a:highlight>
+                  <a:srgbClr val="FFFF00"/>
+                </a:highlight>
+              </a:rPr>
               <a:t>SQL injections</a:t>
             </a:r>
           </a:p>
@@ -4231,7 +4291,11 @@
           <a:lstStyle/>
           <a:p>
             <a:r>
-              <a:rPr lang="en-US" dirty="0"/>
+              <a:rPr lang="en-US" dirty="0">
+                <a:highlight>
+                  <a:srgbClr val="FFFF00"/>
+                </a:highlight>
+              </a:rPr>
               <a:t>Application Error Handling</a:t>
             </a:r>
           </a:p>
@@ -4269,7 +4333,19 @@
             <a:pPr lvl="1"/>
             <a:r>
               <a:rPr lang="en-US" dirty="0"/>
-              <a:t>Attacker receives detailed information about server when errors occur</a:t>
+              <a:t>Attacker </a:t>
+            </a:r>
+            <a:r>
+              <a:rPr lang="en-US" dirty="0">
+                <a:highlight>
+                  <a:srgbClr val="FFFF00"/>
+                </a:highlight>
+              </a:rPr>
+              <a:t>receives detailed information about server </a:t>
+            </a:r>
+            <a:r>
+              <a:rPr lang="en-US" dirty="0"/>
+              <a:t>when errors occur</a:t>
             </a:r>
           </a:p>
           <a:p>
@@ -4497,7 +4573,11 @@
           <a:lstStyle/>
           <a:p>
             <a:r>
-              <a:rPr lang="en-US" dirty="0"/>
+              <a:rPr lang="en-US" dirty="0">
+                <a:highlight>
+                  <a:srgbClr val="FFFF00"/>
+                </a:highlight>
+              </a:rPr>
               <a:t>Cookie Manipulation Attacks</a:t>
             </a:r>
           </a:p>
@@ -4535,7 +4615,15 @@
             <a:pPr lvl="1"/>
             <a:r>
               <a:rPr lang="en-US" dirty="0"/>
-              <a:t>Attacker gets cookie value that holds sensitive data</a:t>
+              <a:t>Attacker </a:t>
+            </a:r>
+            <a:r>
+              <a:rPr lang="en-US" dirty="0">
+                <a:highlight>
+                  <a:srgbClr val="FFFF00"/>
+                </a:highlight>
+              </a:rPr>
+              <a:t>gets cookie value that holds sensitive data</a:t>
             </a:r>
           </a:p>
           <a:p>
@@ -4727,7 +4815,11 @@
           <a:lstStyle/>
           <a:p>
             <a:r>
-              <a:rPr lang="en-US" dirty="0"/>
+              <a:rPr lang="en-US" dirty="0">
+                <a:highlight>
+                  <a:srgbClr val="FFFF00"/>
+                </a:highlight>
+              </a:rPr>
               <a:t>Web Server Password Cracking</a:t>
             </a:r>
           </a:p>
@@ -4769,7 +4861,11 @@
           <a:p>
             <a:pPr lvl="1"/>
             <a:r>
-              <a:rPr lang="en-US" dirty="0"/>
+              <a:rPr lang="en-US" dirty="0">
+                <a:highlight>
+                  <a:srgbClr val="FFFF00"/>
+                </a:highlight>
+              </a:rPr>
               <a:t>Checking password against most commonly used passwords online database</a:t>
             </a:r>
           </a:p>
@@ -5029,7 +5125,11 @@
           <a:lstStyle/>
           <a:p>
             <a:r>
-              <a:rPr lang="en-US" dirty="0"/>
+              <a:rPr lang="en-US" dirty="0">
+                <a:highlight>
+                  <a:srgbClr val="FFFF00"/>
+                </a:highlight>
+              </a:rPr>
               <a:t>Comments in Source Code</a:t>
             </a:r>
           </a:p>
@@ -5066,7 +5166,11 @@
           <a:p>
             <a:pPr lvl="1"/>
             <a:r>
-              <a:rPr lang="en-US" dirty="0"/>
+              <a:rPr lang="en-US" dirty="0">
+                <a:highlight>
+                  <a:srgbClr val="FFFF00"/>
+                </a:highlight>
+              </a:rPr>
               <a:t>Commons in source code can be visible to public</a:t>
             </a:r>
           </a:p>
@@ -5273,7 +5377,11 @@
           <a:lstStyle/>
           <a:p>
             <a:r>
-              <a:rPr lang="en-US" dirty="0"/>
+              <a:rPr lang="en-US" dirty="0">
+                <a:highlight>
+                  <a:srgbClr val="FFFF00"/>
+                </a:highlight>
+              </a:rPr>
               <a:t>Race Conditions</a:t>
             </a:r>
           </a:p>
@@ -5310,7 +5418,11 @@
           <a:p>
             <a:pPr lvl="1"/>
             <a:r>
-              <a:rPr lang="en-US" dirty="0"/>
+              <a:rPr lang="en-US" dirty="0">
+                <a:highlight>
+                  <a:srgbClr val="FFFF00"/>
+                </a:highlight>
+              </a:rPr>
               <a:t>When application attempts to perform multiple operations simultaneously but operations need to be done sequentially </a:t>
             </a:r>
           </a:p>
@@ -5472,7 +5584,11 @@
           <a:p>
             <a:pPr lvl="2"/>
             <a:r>
-              <a:rPr lang="en-US" dirty="0"/>
+              <a:rPr lang="en-US" dirty="0">
+                <a:highlight>
+                  <a:srgbClr val="FFFF00"/>
+                </a:highlight>
+              </a:rPr>
               <a:t>Attacker has small window to bypass normal controls</a:t>
             </a:r>
           </a:p>
@@ -5530,7 +5646,11 @@
           <a:lstStyle/>
           <a:p>
             <a:r>
-              <a:rPr lang="en-US" dirty="0"/>
+              <a:rPr lang="en-US" dirty="0">
+                <a:highlight>
+                  <a:srgbClr val="FFFF00"/>
+                </a:highlight>
+              </a:rPr>
               <a:t>Hidden Elements</a:t>
             </a:r>
           </a:p>
@@ -5567,7 +5687,11 @@
           <a:p>
             <a:pPr lvl="1"/>
             <a:r>
-              <a:rPr lang="en-US" dirty="0"/>
+              <a:rPr lang="en-US" dirty="0">
+                <a:highlight>
+                  <a:srgbClr val="FFFF00"/>
+                </a:highlight>
+              </a:rPr>
               <a:t>Hidden elements pass information to application</a:t>
             </a:r>
           </a:p>
@@ -5602,7 +5726,15 @@
             <a:pPr lvl="1"/>
             <a:r>
               <a:rPr lang="en-US" dirty="0"/>
-              <a:t>Changes default value of hidden elements to malicious code</a:t>
+              <a:t>Changes default value of hidden elements to </a:t>
+            </a:r>
+            <a:r>
+              <a:rPr lang="en-US" dirty="0">
+                <a:highlight>
+                  <a:srgbClr val="FFFF00"/>
+                </a:highlight>
+              </a:rPr>
+              <a:t>malicious code</a:t>
             </a:r>
           </a:p>
         </p:txBody>
@@ -5814,12 +5946,12 @@
           </a:p>
           <a:p>
             <a:r>
-              <a:rPr lang="en-US"/>
-              <a:t>10 </a:t>
-            </a:r>
-            <a:r>
-              <a:rPr lang="en-US" dirty="0"/>
-              <a:t>Web Server Attack Tactics</a:t>
+              <a:rPr lang="en-US" dirty="0">
+                <a:highlight>
+                  <a:srgbClr val="FFFF00"/>
+                </a:highlight>
+              </a:rPr>
+              <a:t>10 Web Server Attack Tactics</a:t>
             </a:r>
           </a:p>
           <a:p>
@@ -6115,7 +6247,11 @@
           <a:p>
             <a:pPr lvl="1"/>
             <a:r>
-              <a:rPr lang="en-US" dirty="0"/>
+              <a:rPr lang="en-US" dirty="0">
+                <a:highlight>
+                  <a:srgbClr val="FFFF00"/>
+                </a:highlight>
+              </a:rPr>
               <a:t>Attackers take the path of least resistance</a:t>
             </a:r>
           </a:p>
@@ -6143,7 +6279,11 @@
           <a:p>
             <a:pPr lvl="1"/>
             <a:r>
-              <a:rPr lang="en-US" dirty="0"/>
+              <a:rPr lang="en-US" dirty="0">
+                <a:highlight>
+                  <a:srgbClr val="FFFF00"/>
+                </a:highlight>
+              </a:rPr>
               <a:t>Web server vulnerabilities better documented reeks greater damage </a:t>
             </a:r>
           </a:p>
@@ -6235,41 +6375,73 @@
           <a:p>
             <a:r>
               <a:rPr lang="en-US" dirty="0"/>
-              <a:t>The following tactics will be discussed</a:t>
-            </a:r>
-          </a:p>
-          <a:p>
-            <a:pPr lvl="1"/>
-            <a:r>
-              <a:rPr lang="en-US" dirty="0"/>
+              <a:t>The following </a:t>
+            </a:r>
+            <a:r>
+              <a:rPr lang="en-US" dirty="0">
+                <a:highlight>
+                  <a:srgbClr val="FFFF00"/>
+                </a:highlight>
+              </a:rPr>
+              <a:t>tactics</a:t>
+            </a:r>
+            <a:r>
+              <a:rPr lang="en-US" dirty="0"/>
+              <a:t> will be discussed</a:t>
+            </a:r>
+          </a:p>
+          <a:p>
+            <a:pPr lvl="1"/>
+            <a:r>
+              <a:rPr lang="en-US" dirty="0">
+                <a:highlight>
+                  <a:srgbClr val="FFFF00"/>
+                </a:highlight>
+              </a:rPr>
               <a:t>DNS Server Hijacking </a:t>
             </a:r>
           </a:p>
           <a:p>
             <a:pPr lvl="1"/>
             <a:r>
-              <a:rPr lang="en-US" dirty="0"/>
+              <a:rPr lang="en-US" dirty="0">
+                <a:highlight>
+                  <a:srgbClr val="FFFF00"/>
+                </a:highlight>
+              </a:rPr>
               <a:t>DNS Amplification Attacks </a:t>
             </a:r>
           </a:p>
           <a:p>
             <a:pPr lvl="1"/>
             <a:r>
-              <a:rPr lang="en-US" dirty="0"/>
+              <a:rPr lang="en-US" dirty="0">
+                <a:highlight>
+                  <a:srgbClr val="FFFF00"/>
+                </a:highlight>
+              </a:rPr>
               <a:t>Directory Traversal</a:t>
             </a:r>
           </a:p>
           <a:p>
             <a:pPr lvl="1"/>
             <a:r>
-              <a:rPr lang="en-US" dirty="0"/>
+              <a:rPr lang="en-US" dirty="0">
+                <a:highlight>
+                  <a:srgbClr val="FFFF00"/>
+                </a:highlight>
+              </a:rPr>
               <a:t>Website Defacement</a:t>
             </a:r>
           </a:p>
           <a:p>
             <a:pPr lvl="1"/>
             <a:r>
-              <a:rPr lang="en-US" dirty="0"/>
+              <a:rPr lang="en-US" dirty="0">
+                <a:highlight>
+                  <a:srgbClr val="FFFF00"/>
+                </a:highlight>
+              </a:rPr>
               <a:t>Application Error Handling</a:t>
             </a:r>
           </a:p>
@@ -6370,35 +6542,55 @@
           <a:p>
             <a:pPr lvl="1"/>
             <a:r>
-              <a:rPr lang="en-US" dirty="0"/>
+              <a:rPr lang="en-US" dirty="0">
+                <a:highlight>
+                  <a:srgbClr val="FFFF00"/>
+                </a:highlight>
+              </a:rPr>
               <a:t>Cookie Manipulation Attacks</a:t>
             </a:r>
           </a:p>
           <a:p>
             <a:pPr lvl="1"/>
             <a:r>
-              <a:rPr lang="en-US" dirty="0"/>
+              <a:rPr lang="en-US" dirty="0">
+                <a:highlight>
+                  <a:srgbClr val="FFFF00"/>
+                </a:highlight>
+              </a:rPr>
               <a:t>Web Server Password Cracking</a:t>
             </a:r>
           </a:p>
           <a:p>
             <a:pPr lvl="1"/>
             <a:r>
-              <a:rPr lang="en-US" dirty="0"/>
+              <a:rPr lang="en-US" dirty="0">
+                <a:highlight>
+                  <a:srgbClr val="FFFF00"/>
+                </a:highlight>
+              </a:rPr>
               <a:t>Comments in Source Code</a:t>
             </a:r>
           </a:p>
           <a:p>
             <a:pPr lvl="1"/>
             <a:r>
-              <a:rPr lang="en-US" dirty="0"/>
+              <a:rPr lang="en-US" dirty="0">
+                <a:highlight>
+                  <a:srgbClr val="FFFF00"/>
+                </a:highlight>
+              </a:rPr>
               <a:t>Race Conditions</a:t>
             </a:r>
           </a:p>
           <a:p>
             <a:pPr lvl="1"/>
             <a:r>
-              <a:rPr lang="en-US" dirty="0"/>
+              <a:rPr lang="en-US" dirty="0">
+                <a:highlight>
+                  <a:srgbClr val="FFFF00"/>
+                </a:highlight>
+              </a:rPr>
               <a:t>Hidden Elements</a:t>
             </a:r>
           </a:p>
@@ -6471,7 +6663,11 @@
           <a:lstStyle/>
           <a:p>
             <a:r>
-              <a:rPr lang="en-US" dirty="0"/>
+              <a:rPr lang="en-US" dirty="0">
+                <a:highlight>
+                  <a:srgbClr val="FFFF00"/>
+                </a:highlight>
+              </a:rPr>
               <a:t>DNS Server Hijacking</a:t>
             </a:r>
           </a:p>
@@ -6512,7 +6708,15 @@
             <a:pPr lvl="1"/>
             <a:r>
               <a:rPr lang="en-US" dirty="0"/>
-              <a:t>Also known as DNS redirection</a:t>
+              <a:t>Also known as </a:t>
+            </a:r>
+            <a:r>
+              <a:rPr lang="en-US" dirty="0">
+                <a:highlight>
+                  <a:srgbClr val="FFFF00"/>
+                </a:highlight>
+              </a:rPr>
+              <a:t>DNS redirection</a:t>
             </a:r>
           </a:p>
           <a:p>
@@ -6539,20 +6743,40 @@
             <a:pPr lvl="1"/>
             <a:r>
               <a:rPr lang="en-US" dirty="0"/>
-              <a:t>Installing malware on user machines</a:t>
-            </a:r>
-          </a:p>
-          <a:p>
-            <a:pPr lvl="1"/>
-            <a:r>
-              <a:rPr lang="en-US" dirty="0"/>
+              <a:t>Installing </a:t>
+            </a:r>
+            <a:r>
+              <a:rPr lang="en-US" dirty="0">
+                <a:highlight>
+                  <a:srgbClr val="FFFF00"/>
+                </a:highlight>
+              </a:rPr>
+              <a:t>malware</a:t>
+            </a:r>
+            <a:r>
+              <a:rPr lang="en-US" dirty="0"/>
+              <a:t> on user machines</a:t>
+            </a:r>
+          </a:p>
+          <a:p>
+            <a:pPr lvl="1"/>
+            <a:r>
+              <a:rPr lang="en-US" dirty="0">
+                <a:highlight>
+                  <a:srgbClr val="FFFF00"/>
+                </a:highlight>
+              </a:rPr>
               <a:t>hijack routers</a:t>
             </a:r>
           </a:p>
           <a:p>
             <a:pPr lvl="1"/>
             <a:r>
-              <a:rPr lang="en-US" dirty="0"/>
+              <a:rPr lang="en-US" dirty="0">
+                <a:highlight>
+                  <a:srgbClr val="FFFF00"/>
+                </a:highlight>
+              </a:rPr>
               <a:t>Intercept/hijack DNS communication</a:t>
             </a:r>
           </a:p>
@@ -6646,7 +6870,15 @@
             <a:pPr lvl="1"/>
             <a:r>
               <a:rPr lang="en-US" dirty="0"/>
-              <a:t>Incoming requests to web server get redirected to malicious site</a:t>
+              <a:t>Incoming requests to web server get </a:t>
+            </a:r>
+            <a:r>
+              <a:rPr lang="en-US" dirty="0">
+                <a:highlight>
+                  <a:srgbClr val="FFFF00"/>
+                </a:highlight>
+              </a:rPr>
+              <a:t>redirected to malicious site</a:t>
             </a:r>
           </a:p>
           <a:p>
@@ -6744,7 +6976,11 @@
           <a:lstStyle/>
           <a:p>
             <a:r>
-              <a:rPr lang="en-US" dirty="0"/>
+              <a:rPr lang="en-US" dirty="0">
+                <a:highlight>
+                  <a:srgbClr val="FFFF00"/>
+                </a:highlight>
+              </a:rPr>
               <a:t>DNS Amplification Attacks</a:t>
             </a:r>
           </a:p>
@@ -6782,7 +7018,19 @@
             <a:pPr lvl="1"/>
             <a:r>
               <a:rPr lang="en-US" dirty="0"/>
-              <a:t>Type of DDoS attack</a:t>
+              <a:t>Type of </a:t>
+            </a:r>
+            <a:r>
+              <a:rPr lang="en-US" dirty="0">
+                <a:highlight>
+                  <a:srgbClr val="FFFF00"/>
+                </a:highlight>
+              </a:rPr>
+              <a:t>DDoS</a:t>
+            </a:r>
+            <a:r>
+              <a:rPr lang="en-US" dirty="0"/>
+              <a:t> attack</a:t>
             </a:r>
           </a:p>
           <a:p>
@@ -6802,7 +7050,19 @@
             <a:pPr lvl="1"/>
             <a:r>
               <a:rPr lang="en-US" dirty="0"/>
-              <a:t>Turning small DNS query into large payload directed at target network</a:t>
+              <a:t>Turning </a:t>
+            </a:r>
+            <a:r>
+              <a:rPr lang="en-US" dirty="0">
+                <a:highlight>
+                  <a:srgbClr val="FFFF00"/>
+                </a:highlight>
+              </a:rPr>
+              <a:t>small DNS query into large payload </a:t>
+            </a:r>
+            <a:r>
+              <a:rPr lang="en-US" dirty="0"/>
+              <a:t>directed at target network</a:t>
             </a:r>
           </a:p>
           <a:p>
@@ -6816,7 +7076,27 @@
             <a:pPr lvl="1"/>
             <a:r>
               <a:rPr lang="en-US" dirty="0"/>
-              <a:t>Or by flooding target with large quantities of UDP packets</a:t>
+              <a:t>Or by </a:t>
+            </a:r>
+            <a:r>
+              <a:rPr lang="en-US" dirty="0">
+                <a:highlight>
+                  <a:srgbClr val="FFFF00"/>
+                </a:highlight>
+              </a:rPr>
+              <a:t>flooding</a:t>
+            </a:r>
+            <a:r>
+              <a:rPr lang="en-US" dirty="0"/>
+              <a:t> target with </a:t>
+            </a:r>
+            <a:r>
+              <a:rPr lang="en-US" dirty="0">
+                <a:highlight>
+                  <a:srgbClr val="FFFF00"/>
+                </a:highlight>
+              </a:rPr>
+              <a:t>large quantities of UDP packets</a:t>
             </a:r>
           </a:p>
         </p:txBody>
